--- a/SIH_final_railmadad[1].pptx
+++ b/SIH_final_railmadad[1].pptx
@@ -14112,7 +14112,7 @@
           <p:nvPr>
             <p:extLst>
               <p:ext uri="{D42A27DB-BD31-4B8C-83A1-F6EECF244321}">
-                <p14:modId xmlns:p14="http://schemas.microsoft.com/office/powerpoint/2010/main" val="1869918731"/>
+                <p14:modId xmlns:p14="http://schemas.microsoft.com/office/powerpoint/2010/main" val="1624192975"/>
               </p:ext>
             </p:extLst>
           </p:nvPr>
@@ -14590,7 +14590,7 @@
                           <a:latin typeface="Arial MT"/>
                           <a:cs typeface="Arial MT"/>
                         </a:rPr>
-                        <a:t>/2008</a:t>
+                        <a:t>. (2008)</a:t>
                       </a:r>
                       <a:endParaRPr sz="1000" dirty="0">
                         <a:latin typeface="Arial MT"/>
@@ -15253,7 +15253,24 @@
                           <a:latin typeface="Arial MT"/>
                           <a:cs typeface="Arial MT"/>
                         </a:rPr>
-                        <a:t>/2022</a:t>
+                        <a:t>.</a:t>
+                      </a:r>
+                    </a:p>
+                    <a:p>
+                      <a:pPr marL="91440" marR="279400">
+                        <a:lnSpc>
+                          <a:spcPct val="100000"/>
+                        </a:lnSpc>
+                        <a:spcBef>
+                          <a:spcPts val="335"/>
+                        </a:spcBef>
+                      </a:pPr>
+                      <a:r>
+                        <a:rPr lang="en-IN" sz="1000" spc="-5" dirty="0">
+                          <a:latin typeface="Arial MT"/>
+                          <a:cs typeface="Arial MT"/>
+                        </a:rPr>
+                        <a:t>(2022)</a:t>
                       </a:r>
                       <a:endParaRPr sz="1000" dirty="0">
                         <a:latin typeface="Arial MT"/>
@@ -16046,7 +16063,24 @@
                           <a:latin typeface="Arial MT"/>
                           <a:cs typeface="Arial MT"/>
                         </a:rPr>
-                        <a:t>/2019</a:t>
+                        <a:t>.</a:t>
+                      </a:r>
+                    </a:p>
+                    <a:p>
+                      <a:pPr marL="91440" marR="180340">
+                        <a:lnSpc>
+                          <a:spcPct val="100000"/>
+                        </a:lnSpc>
+                        <a:spcBef>
+                          <a:spcPts val="335"/>
+                        </a:spcBef>
+                      </a:pPr>
+                      <a:r>
+                        <a:rPr lang="en-IN" sz="1000" spc="-10" dirty="0">
+                          <a:latin typeface="Arial MT"/>
+                          <a:cs typeface="Arial MT"/>
+                        </a:rPr>
+                        <a:t>(2019)</a:t>
                       </a:r>
                       <a:endParaRPr sz="1000" dirty="0">
                         <a:latin typeface="Arial MT"/>
@@ -16850,7 +16884,21 @@
                           <a:latin typeface="Arial MT"/>
                           <a:cs typeface="Arial MT"/>
                         </a:rPr>
-                        <a:t>/2023</a:t>
+                        <a:t>.</a:t>
+                      </a:r>
+                    </a:p>
+                    <a:p>
+                      <a:pPr marL="91440">
+                        <a:lnSpc>
+                          <a:spcPct val="100000"/>
+                        </a:lnSpc>
+                      </a:pPr>
+                      <a:r>
+                        <a:rPr lang="en-IN" sz="1000" spc="-5" dirty="0">
+                          <a:latin typeface="Arial MT"/>
+                          <a:cs typeface="Arial MT"/>
+                        </a:rPr>
+                        <a:t>(2023)</a:t>
                       </a:r>
                       <a:endParaRPr sz="1000" dirty="0">
                         <a:latin typeface="Arial MT"/>
@@ -17664,7 +17712,24 @@
                           <a:latin typeface="Arial MT"/>
                           <a:cs typeface="Arial MT"/>
                         </a:rPr>
-                        <a:t>/2021</a:t>
+                        <a:t>.</a:t>
+                      </a:r>
+                    </a:p>
+                    <a:p>
+                      <a:pPr marL="91440" marR="383540">
+                        <a:lnSpc>
+                          <a:spcPct val="100000"/>
+                        </a:lnSpc>
+                        <a:spcBef>
+                          <a:spcPts val="340"/>
+                        </a:spcBef>
+                      </a:pPr>
+                      <a:r>
+                        <a:rPr lang="en-IN" sz="1000" spc="-5" dirty="0">
+                          <a:latin typeface="Arial MT"/>
+                          <a:cs typeface="Arial MT"/>
+                        </a:rPr>
+                        <a:t>(2021)</a:t>
                       </a:r>
                       <a:endParaRPr sz="1000" dirty="0">
                         <a:latin typeface="Arial MT"/>
